--- a/Part 3/Lecture 3.pptx
+++ b/Part 3/Lecture 3.pptx
@@ -530,7 +530,7 @@
           <a:p>
             <a:fld id="{2E2C281D-2BC5-744A-B907-5860DFA7E8B3}" type="datetimeFigureOut">
               <a:rPr lang="en-US" smtClean="0"/>
-              <a:t>7/29/25</a:t>
+              <a:t>7/30/25</a:t>
             </a:fld>
             <a:endParaRPr lang="en-US"/>
           </a:p>
@@ -4148,14 +4148,20 @@
           <a:lstStyle/>
           <a:p>
             <a:r>
-              <a:rPr lang="en-US" sz="4000" dirty="0"/>
+              <a:rPr lang="en-US" sz="4000" dirty="0">
+                <a:latin typeface="+mn-lt"/>
+              </a:rPr>
               <a:t>Lecture 3 </a:t>
             </a:r>
             <a:br>
-              <a:rPr lang="en-US" sz="4000" dirty="0"/>
+              <a:rPr lang="en-US" sz="4000" dirty="0">
+                <a:latin typeface="+mn-lt"/>
+              </a:rPr>
             </a:br>
             <a:r>
-              <a:rPr lang="en-US" sz="4000" dirty="0"/>
+              <a:rPr lang="en-US" sz="4000" dirty="0">
+                <a:latin typeface="+mn-lt"/>
+              </a:rPr>
               <a:t>Pre-processing serological data</a:t>
             </a:r>
           </a:p>
@@ -4263,7 +4269,7 @@
         </p:nvSpPr>
         <p:spPr>
           <a:xfrm>
-            <a:off x="838200" y="365125"/>
+            <a:off x="602496" y="365125"/>
             <a:ext cx="10987008" cy="1325563"/>
           </a:xfrm>
         </p:spPr>
@@ -4463,7 +4469,9 @@
           <a:lstStyle/>
           <a:p>
             <a:r>
-              <a:rPr lang="en-US" sz="1400" dirty="0"/>
+              <a:rPr lang="en-US" sz="1400" dirty="0">
+                <a:latin typeface="Helvetica" pitchFamily="2" charset="0"/>
+              </a:rPr>
               <a:t>5. Fit standard curves and estimate log concentrations</a:t>
             </a:r>
           </a:p>
@@ -4553,7 +4561,7 @@
         </p:nvSpPr>
         <p:spPr>
           <a:xfrm>
-            <a:off x="838200" y="365125"/>
+            <a:off x="602496" y="365125"/>
             <a:ext cx="10987008" cy="1325563"/>
           </a:xfrm>
         </p:spPr>
@@ -5135,7 +5143,7 @@
           <a:p>
             <a:r>
               <a:rPr lang="en-US" dirty="0"/>
-              <a:t>Since these are multiplexed assays we may be interested in measuring antibody responses to </a:t>
+              <a:t>Since these are multiplexed assays, we may be interested in measuring antibody responses to </a:t>
             </a:r>
             <a:r>
               <a:rPr lang="en-US" b="1" dirty="0"/>
@@ -5191,7 +5199,7 @@
             </a:r>
             <a:r>
               <a:rPr lang="en-US" dirty="0"/>
-              <a:t>can be computed and the </a:t>
+              <a:t>can be computed, and the </a:t>
             </a:r>
             <a:r>
               <a:rPr lang="en-US" b="1" dirty="0"/>
@@ -5495,7 +5503,7 @@
         <p:spPr>
           <a:xfrm>
             <a:off x="598990" y="1843088"/>
-            <a:ext cx="10515600" cy="4172052"/>
+            <a:ext cx="10908200" cy="4172052"/>
           </a:xfrm>
           <a:prstGeom prst="rect">
             <a:avLst/>
@@ -5678,12 +5686,16 @@
             </a:r>
             <a:r>
               <a:rPr lang="en-US" dirty="0"/>
-              <a:t>of beads for a particular antigen (one bead ID) are read by the machine this is </a:t>
+              <a:t>of beads for a particular antigen (one bead ID) are read by the machine, this is </a:t>
             </a:r>
             <a:r>
               <a:rPr lang="en-US" b="1" dirty="0"/>
               <a:t>usually an issue</a:t>
             </a:r>
+            <a:r>
+              <a:rPr lang="en-US" dirty="0"/>
+              <a:t>.</a:t>
+            </a:r>
           </a:p>
           <a:p>
             <a:r>
@@ -5696,13 +5708,13 @@
             </a:r>
             <a:r>
               <a:rPr lang="en-US" dirty="0"/>
-              <a:t>with the assay or the fluidics of the reading or scanning machine</a:t>
-            </a:r>
-          </a:p>
-          <a:p>
-            <a:r>
-              <a:rPr lang="en-US" dirty="0"/>
-              <a:t>In these cases,  the </a:t>
+              <a:t>with the assay or the fluidics of the reading or scanning machine.</a:t>
+            </a:r>
+          </a:p>
+          <a:p>
+            <a:r>
+              <a:rPr lang="en-US" dirty="0"/>
+              <a:t>In these cases, the </a:t>
             </a:r>
             <a:r>
               <a:rPr lang="en-US" b="1" dirty="0"/>
@@ -5732,7 +5744,7 @@
             </a:r>
             <a:r>
               <a:rPr lang="en-US" dirty="0"/>
-              <a:t> required to proceed with analysis for a particular antigen in a specific sample (e.g., 30 or 50 beads are common thresholds. </a:t>
+              <a:t> required to proceed with analysis for a particular antigen in a specific sample (e.g., 30 or 50 beads are common thresholds). </a:t>
             </a:r>
           </a:p>
         </p:txBody>
@@ -5791,7 +5803,7 @@
         </p:nvSpPr>
         <p:spPr>
           <a:xfrm>
-            <a:off x="838200" y="365125"/>
+            <a:off x="602496" y="365125"/>
             <a:ext cx="10987008" cy="1325563"/>
           </a:xfrm>
         </p:spPr>
@@ -6353,13 +6365,13 @@
           <a:p>
             <a:r>
               <a:rPr lang="en-US" dirty="0"/>
-              <a:t>Therefore background is typically measured with ‘blank’ wells, that is wells that contain all reagents for the assay but no sample.</a:t>
-            </a:r>
-          </a:p>
-          <a:p>
-            <a:r>
-              <a:rPr lang="en-US" dirty="0"/>
-              <a:t>These are usually at least once on every plate, but can be present more than once.  </a:t>
+              <a:t>Therefore, background is typically measured with ‘blank’ wells, that is wells that contain all reagents for the assay but no sample.</a:t>
+            </a:r>
+          </a:p>
+          <a:p>
+            <a:r>
+              <a:rPr lang="en-US" dirty="0"/>
+              <a:t>These are usually placed at least once on every plate, but can be present more than once.</a:t>
             </a:r>
           </a:p>
           <a:p>
@@ -7053,13 +7065,7 @@
             </a:r>
           </a:p>
           <a:p>
-            <a:pPr>
-              <a:buNone/>
-            </a:pPr>
-            <a:r>
-              <a:rPr lang="en-US" dirty="0"/>
-              <a:t>• </a:t>
-            </a:r>
+            <a:pPr lvl="1"/>
             <a:r>
               <a:rPr lang="en-US" b="1" dirty="0"/>
               <a:t>Subtraction</a:t>
@@ -7070,13 +7076,7 @@
             </a:r>
           </a:p>
           <a:p>
-            <a:pPr>
-              <a:buNone/>
-            </a:pPr>
-            <a:r>
-              <a:rPr lang="en-US" dirty="0"/>
-              <a:t>• </a:t>
-            </a:r>
+            <a:pPr lvl="1"/>
             <a:r>
               <a:rPr lang="en-US" b="1" dirty="0"/>
               <a:t>Division</a:t>
@@ -7089,7 +7089,7 @@
           <a:p>
             <a:r>
               <a:rPr lang="en-US" dirty="0"/>
-              <a:t>This is typically done on a plate-by-plate basis, therefore, if there is more than one blank well per plate, MFI Blank could be the median or mean of all blank wells on that plate. </a:t>
+              <a:t>This is typically done on a plate-by-plate basis; therefore, if there is more than one blank well per plate, “MFI blank” could be the median or mean of all blank wells on that plate. </a:t>
             </a:r>
           </a:p>
           <a:p>
@@ -7099,7 +7099,7 @@
             </a:r>
             <a:r>
               <a:rPr lang="en-US" b="1" dirty="0"/>
-              <a:t>if the MFI of a sample is lower or equal to the MFI of blank well(s) </a:t>
+              <a:t>if the MFI of a sample is lower or equal to the MFI of blank well(s), </a:t>
             </a:r>
             <a:r>
               <a:rPr lang="en-US" dirty="0"/>
@@ -7338,7 +7338,7 @@
         </p:nvSpPr>
         <p:spPr>
           <a:xfrm>
-            <a:off x="838200" y="365125"/>
+            <a:off x="602496" y="365125"/>
             <a:ext cx="10987008" cy="1325563"/>
           </a:xfrm>
         </p:spPr>
@@ -7538,7 +7538,9 @@
           <a:lstStyle/>
           <a:p>
             <a:r>
-              <a:rPr lang="en-US" sz="1400" dirty="0"/>
+              <a:rPr lang="en-US" sz="1400" dirty="0">
+                <a:latin typeface="Helvetica" pitchFamily="2" charset="0"/>
+              </a:rPr>
               <a:t>5. Fit standard curves and estimate log concentrations</a:t>
             </a:r>
           </a:p>
@@ -7597,7 +7599,7 @@
           <a:p>
             <a:r>
               <a:rPr lang="en-US" dirty="0"/>
-              <a:t>Lecture Outline: </a:t>
+              <a:t>Lecture outline </a:t>
             </a:r>
           </a:p>
         </p:txBody>
@@ -7920,8 +7922,8 @@
         </p:nvSpPr>
         <p:spPr>
           <a:xfrm>
-            <a:off x="990600" y="1978025"/>
-            <a:ext cx="10515600" cy="4172052"/>
+            <a:off x="508660" y="1799895"/>
+            <a:ext cx="11174679" cy="4172052"/>
           </a:xfrm>
           <a:prstGeom prst="rect">
             <a:avLst/>
@@ -8242,7 +8244,7 @@
         </p:blipFill>
         <p:spPr>
           <a:xfrm>
-            <a:off x="274577" y="1107466"/>
+            <a:off x="274577" y="964966"/>
             <a:ext cx="8365282" cy="5385409"/>
           </a:xfrm>
           <a:prstGeom prst="rect">
@@ -8284,7 +8286,7 @@
             </a:pPr>
             <a:r>
               <a:rPr lang="en-US" dirty="0"/>
-              <a:t>This “S” shaped curve is the ideal shape between log MFI and log concentration (in this case measured as a dilution factor). </a:t>
+              <a:t>This “S” shaped curve is the ideal shape between log MFI and log concentration (in this case, measured as a dilution factor). </a:t>
             </a:r>
           </a:p>
           <a:p>
@@ -8392,12 +8394,129 @@
           </a:p>
         </p:txBody>
       </p:sp>
+      <p:sp>
+        <p:nvSpPr>
+          <p:cNvPr id="11" name="TextBox 10">
+            <a:extLst>
+              <a:ext uri="{FF2B5EF4-FFF2-40B4-BE49-F238E27FC236}">
+                <a16:creationId xmlns:a16="http://schemas.microsoft.com/office/drawing/2014/main" id="{5EC0052A-7057-39BD-DEBC-36FE455C9F1F}"/>
+              </a:ext>
+            </a:extLst>
+          </p:cNvPr>
+          <p:cNvSpPr txBox="1"/>
+          <p:nvPr/>
+        </p:nvSpPr>
+        <p:spPr>
+          <a:xfrm>
+            <a:off x="8766858" y="1325563"/>
+            <a:ext cx="3425142" cy="3970318"/>
+          </a:xfrm>
+          <a:prstGeom prst="rect">
+            <a:avLst/>
+          </a:prstGeom>
+          <a:noFill/>
+        </p:spPr>
+        <p:txBody>
+          <a:bodyPr wrap="square" rtlCol="0">
+            <a:spAutoFit/>
+          </a:bodyPr>
+          <a:lstStyle/>
+          <a:p>
+            <a:pPr marL="285750" indent="-285750">
+              <a:buFont typeface="Arial" panose="020B0604020202020204" pitchFamily="34" charset="0"/>
+              <a:buChar char="•"/>
+            </a:pPr>
+            <a:r>
+              <a:rPr lang="en-US" dirty="0"/>
+              <a:t>We can estimate the </a:t>
+            </a:r>
+            <a:r>
+              <a:rPr lang="en-US" b="1" dirty="0"/>
+              <a:t>equation</a:t>
+            </a:r>
+            <a:r>
+              <a:rPr lang="en-US" dirty="0"/>
+              <a:t> that describes each logistic curve. </a:t>
+            </a:r>
+          </a:p>
+          <a:p>
+            <a:pPr marL="285750" indent="-285750">
+              <a:buFont typeface="Arial" panose="020B0604020202020204" pitchFamily="34" charset="0"/>
+              <a:buChar char="•"/>
+            </a:pPr>
+            <a:r>
+              <a:rPr lang="en-US" dirty="0"/>
+              <a:t>Then, using that equation, we can </a:t>
+            </a:r>
+            <a:r>
+              <a:rPr lang="en-US" b="1" dirty="0"/>
+              <a:t>transform </a:t>
+            </a:r>
+            <a:r>
+              <a:rPr lang="en-US" dirty="0"/>
+              <a:t>a specific sample’s </a:t>
+            </a:r>
+            <a:r>
+              <a:rPr lang="en-US" b="1" dirty="0"/>
+              <a:t>MFI</a:t>
+            </a:r>
+            <a:r>
+              <a:rPr lang="en-US" dirty="0"/>
+              <a:t>  into an estimate of </a:t>
+            </a:r>
+            <a:r>
+              <a:rPr lang="en-US" b="1" dirty="0"/>
+              <a:t>concentration</a:t>
+            </a:r>
+            <a:r>
+              <a:rPr lang="en-US" dirty="0"/>
+              <a:t>. </a:t>
+            </a:r>
+          </a:p>
+          <a:p>
+            <a:pPr marL="285750" indent="-285750">
+              <a:buFont typeface="Arial" panose="020B0604020202020204" pitchFamily="34" charset="0"/>
+              <a:buChar char="•"/>
+            </a:pPr>
+            <a:r>
+              <a:rPr lang="en-US" dirty="0"/>
+              <a:t>This can be done on a </a:t>
+            </a:r>
+            <a:r>
+              <a:rPr lang="en-US" b="1" dirty="0"/>
+              <a:t>plate-by-plate basis</a:t>
+            </a:r>
+            <a:r>
+              <a:rPr lang="en-US" dirty="0"/>
+              <a:t> if standard curves are available on all plates. </a:t>
+            </a:r>
+          </a:p>
+          <a:p>
+            <a:pPr marL="285750" indent="-285750">
+              <a:buFont typeface="Arial" panose="020B0604020202020204" pitchFamily="34" charset="0"/>
+              <a:buChar char="•"/>
+            </a:pPr>
+            <a:r>
+              <a:rPr lang="en-US" dirty="0"/>
+              <a:t>Or, it can be done </a:t>
+            </a:r>
+            <a:r>
+              <a:rPr lang="en-US" b="1" dirty="0"/>
+              <a:t>once for an entire study</a:t>
+            </a:r>
+            <a:r>
+              <a:rPr lang="en-US" dirty="0"/>
+              <a:t> if there is only one standard curve available. </a:t>
+            </a:r>
+          </a:p>
+        </p:txBody>
+      </p:sp>
       <p:pic>
         <p:nvPicPr>
-          <p:cNvPr id="4" name="Picture 3">
+          <p:cNvPr id="3" name="Picture 2">
             <a:extLst>
               <a:ext uri="{FF2B5EF4-FFF2-40B4-BE49-F238E27FC236}">
-                <a16:creationId xmlns:a16="http://schemas.microsoft.com/office/drawing/2014/main" id="{31F7CDEB-ED17-8C88-A9E1-086160BA43A1}"/>
+                <a16:creationId xmlns:a16="http://schemas.microsoft.com/office/drawing/2014/main" id="{0AFF9D3A-90EB-5A43-E13C-76BF87B0ECC4}"/>
               </a:ext>
             </a:extLst>
           </p:cNvPr>
@@ -8415,7 +8534,7 @@
         </p:blipFill>
         <p:spPr>
           <a:xfrm>
-            <a:off x="274577" y="1107466"/>
+            <a:off x="274577" y="964966"/>
             <a:ext cx="8365282" cy="5385409"/>
           </a:xfrm>
           <a:prstGeom prst="rect">
@@ -8423,123 +8542,6 @@
           </a:prstGeom>
         </p:spPr>
       </p:pic>
-      <p:sp>
-        <p:nvSpPr>
-          <p:cNvPr id="11" name="TextBox 10">
-            <a:extLst>
-              <a:ext uri="{FF2B5EF4-FFF2-40B4-BE49-F238E27FC236}">
-                <a16:creationId xmlns:a16="http://schemas.microsoft.com/office/drawing/2014/main" id="{5EC0052A-7057-39BD-DEBC-36FE455C9F1F}"/>
-              </a:ext>
-            </a:extLst>
-          </p:cNvPr>
-          <p:cNvSpPr txBox="1"/>
-          <p:nvPr/>
-        </p:nvSpPr>
-        <p:spPr>
-          <a:xfrm>
-            <a:off x="8639859" y="1924060"/>
-            <a:ext cx="3425142" cy="3970318"/>
-          </a:xfrm>
-          <a:prstGeom prst="rect">
-            <a:avLst/>
-          </a:prstGeom>
-          <a:noFill/>
-        </p:spPr>
-        <p:txBody>
-          <a:bodyPr wrap="square" rtlCol="0">
-            <a:spAutoFit/>
-          </a:bodyPr>
-          <a:lstStyle/>
-          <a:p>
-            <a:pPr marL="285750" indent="-285750">
-              <a:buFont typeface="Arial" panose="020B0604020202020204" pitchFamily="34" charset="0"/>
-              <a:buChar char="•"/>
-            </a:pPr>
-            <a:r>
-              <a:rPr lang="en-US" dirty="0"/>
-              <a:t>We can estimate the </a:t>
-            </a:r>
-            <a:r>
-              <a:rPr lang="en-US" b="1" dirty="0"/>
-              <a:t>equation</a:t>
-            </a:r>
-            <a:r>
-              <a:rPr lang="en-US" dirty="0"/>
-              <a:t> that describes each logistic curve. </a:t>
-            </a:r>
-          </a:p>
-          <a:p>
-            <a:pPr marL="285750" indent="-285750">
-              <a:buFont typeface="Arial" panose="020B0604020202020204" pitchFamily="34" charset="0"/>
-              <a:buChar char="•"/>
-            </a:pPr>
-            <a:r>
-              <a:rPr lang="en-US" dirty="0"/>
-              <a:t>Then, using that equation we can </a:t>
-            </a:r>
-            <a:r>
-              <a:rPr lang="en-US" b="1" dirty="0"/>
-              <a:t>transform </a:t>
-            </a:r>
-            <a:r>
-              <a:rPr lang="en-US" dirty="0"/>
-              <a:t>a specific sample’s </a:t>
-            </a:r>
-            <a:r>
-              <a:rPr lang="en-US" b="1" dirty="0"/>
-              <a:t>MFI</a:t>
-            </a:r>
-            <a:r>
-              <a:rPr lang="en-US" dirty="0"/>
-              <a:t>  into an estimate of </a:t>
-            </a:r>
-            <a:r>
-              <a:rPr lang="en-US" b="1" dirty="0"/>
-              <a:t>concentration</a:t>
-            </a:r>
-            <a:r>
-              <a:rPr lang="en-US" dirty="0"/>
-              <a:t>. </a:t>
-            </a:r>
-          </a:p>
-          <a:p>
-            <a:pPr marL="285750" indent="-285750">
-              <a:buFont typeface="Arial" panose="020B0604020202020204" pitchFamily="34" charset="0"/>
-              <a:buChar char="•"/>
-            </a:pPr>
-            <a:r>
-              <a:rPr lang="en-US" dirty="0"/>
-              <a:t>This can be done on a </a:t>
-            </a:r>
-            <a:r>
-              <a:rPr lang="en-US" b="1" dirty="0"/>
-              <a:t>plate-by-plate basis</a:t>
-            </a:r>
-            <a:r>
-              <a:rPr lang="en-US" dirty="0"/>
-              <a:t> if standard curves are available on all plates. </a:t>
-            </a:r>
-          </a:p>
-          <a:p>
-            <a:pPr marL="285750" indent="-285750">
-              <a:buFont typeface="Arial" panose="020B0604020202020204" pitchFamily="34" charset="0"/>
-              <a:buChar char="•"/>
-            </a:pPr>
-            <a:r>
-              <a:rPr lang="en-US" dirty="0"/>
-              <a:t>Or, it can be done </a:t>
-            </a:r>
-            <a:r>
-              <a:rPr lang="en-US" b="1" dirty="0"/>
-              <a:t>once for an entire study</a:t>
-            </a:r>
-            <a:r>
-              <a:rPr lang="en-US" dirty="0"/>
-              <a:t> if there is only one standard curve available. </a:t>
-            </a:r>
-          </a:p>
-        </p:txBody>
-      </p:sp>
     </p:spTree>
     <p:extLst>
       <p:ext uri="{BB962C8B-B14F-4D97-AF65-F5344CB8AC3E}">
@@ -8594,7 +8596,7 @@
         </p:nvSpPr>
         <p:spPr>
           <a:xfrm>
-            <a:off x="838200" y="365125"/>
+            <a:off x="602496" y="365125"/>
             <a:ext cx="10987008" cy="1325563"/>
           </a:xfrm>
         </p:spPr>
@@ -8794,7 +8796,9 @@
           <a:lstStyle/>
           <a:p>
             <a:r>
-              <a:rPr lang="en-US" sz="1400" dirty="0"/>
+              <a:rPr lang="en-US" sz="1400" dirty="0">
+                <a:latin typeface="Helvetica" pitchFamily="2" charset="0"/>
+              </a:rPr>
               <a:t>5. Fit standard curves and estimate log concentrations</a:t>
             </a:r>
           </a:p>
@@ -9288,7 +9292,7 @@
             </a:r>
             <a:r>
               <a:rPr lang="en-US" dirty="0"/>
-              <a:t>(e.g. plates) and then even these </a:t>
+              <a:t>(e.g., plates) and then even these </a:t>
             </a:r>
             <a:r>
               <a:rPr lang="en-US" b="1" dirty="0"/>
@@ -9296,7 +9300,7 @@
             </a:r>
             <a:r>
               <a:rPr lang="en-US" dirty="0"/>
-              <a:t> (in different batches).</a:t>
+              <a:t> (e.g., in different batches).</a:t>
             </a:r>
           </a:p>
           <a:p>
@@ -9595,8 +9599,8 @@
         </p:nvSpPr>
         <p:spPr>
           <a:xfrm>
-            <a:off x="990600" y="1550988"/>
-            <a:ext cx="10515600" cy="4198938"/>
+            <a:off x="558139" y="1550988"/>
+            <a:ext cx="10996551" cy="4198938"/>
           </a:xfrm>
           <a:prstGeom prst="rect">
             <a:avLst/>
@@ -9793,7 +9797,7 @@
           <a:p>
             <a:r>
               <a:rPr lang="en-US" dirty="0"/>
-              <a:t> Therefore, we want to </a:t>
+              <a:t>Therefore, we want to </a:t>
             </a:r>
             <a:r>
               <a:rPr lang="en-US" b="1" dirty="0"/>
@@ -9910,7 +9914,7 @@
         </p:nvSpPr>
         <p:spPr>
           <a:xfrm>
-            <a:off x="838200" y="365125"/>
+            <a:off x="602496" y="365125"/>
             <a:ext cx="10987008" cy="1325563"/>
           </a:xfrm>
         </p:spPr>
@@ -10110,7 +10114,9 @@
           <a:lstStyle/>
           <a:p>
             <a:r>
-              <a:rPr lang="en-US" sz="1400" dirty="0"/>
+              <a:rPr lang="en-US" sz="1400" dirty="0">
+                <a:latin typeface="Helvetica" pitchFamily="2" charset="0"/>
+              </a:rPr>
               <a:t>5. Fit standard curves and estimate log concentrations</a:t>
             </a:r>
           </a:p>
@@ -10192,7 +10198,12 @@
             <p:ph type="title"/>
           </p:nvPr>
         </p:nvSpPr>
-        <p:spPr/>
+        <p:spPr>
+          <a:xfrm>
+            <a:off x="838199" y="365125"/>
+            <a:ext cx="11215255" cy="1325563"/>
+          </a:xfrm>
+        </p:spPr>
         <p:txBody>
           <a:bodyPr/>
           <a:lstStyle/>
@@ -10226,7 +10237,7 @@
         </p:blipFill>
         <p:spPr>
           <a:xfrm>
-            <a:off x="3022600" y="1690688"/>
+            <a:off x="3022600" y="1560063"/>
             <a:ext cx="6134100" cy="4733481"/>
           </a:xfrm>
           <a:prstGeom prst="rect">
@@ -10500,7 +10511,7 @@
             </a:r>
             <a:r>
               <a:rPr lang="en-US" dirty="0"/>
-              <a:t>and to ensure our data are “in shape” to perform our </a:t>
+              <a:t>and ensure our data are “in shape” to perform our </a:t>
             </a:r>
             <a:r>
               <a:rPr lang="en-US" b="1" dirty="0"/>
@@ -10537,7 +10548,7 @@
             <a:pPr lvl="1"/>
             <a:r>
               <a:rPr lang="en-US" dirty="0"/>
-              <a:t>This means, </a:t>
+              <a:t>This means that </a:t>
             </a:r>
             <a:r>
               <a:rPr lang="en-US" b="1" dirty="0"/>
@@ -12773,7 +12784,7 @@
           <a:p>
             <a:r>
               <a:rPr lang="en-US" dirty="0"/>
-              <a:t>Running same samples on two plates:</a:t>
+              <a:t>Running same samples on two plates</a:t>
             </a:r>
           </a:p>
         </p:txBody>
@@ -12800,8 +12811,8 @@
         </p:blipFill>
         <p:spPr>
           <a:xfrm>
-            <a:off x="2209800" y="1622690"/>
-            <a:ext cx="7772400" cy="4386915"/>
+            <a:off x="2450855" y="1480187"/>
+            <a:ext cx="7290288" cy="4114800"/>
           </a:xfrm>
           <a:prstGeom prst="rect">
             <a:avLst/>
@@ -12822,7 +12833,7 @@
         </p:nvSpPr>
         <p:spPr>
           <a:xfrm>
-            <a:off x="1984094" y="5941607"/>
+            <a:off x="1613220" y="5594987"/>
             <a:ext cx="8965557" cy="646331"/>
           </a:xfrm>
           <a:prstGeom prst="rect">
@@ -12838,7 +12849,29 @@
           <a:p>
             <a:r>
               <a:rPr lang="en-US" dirty="0"/>
-              <a:t>What happens if we just measure correlation? What would you conclude about technical differences between these two plates? </a:t>
+              <a:t>What happens if we just measure </a:t>
+            </a:r>
+            <a:r>
+              <a:rPr lang="en-US" b="1" dirty="0"/>
+              <a:t>correlation</a:t>
+            </a:r>
+            <a:r>
+              <a:rPr lang="en-US" dirty="0"/>
+              <a:t>? </a:t>
+            </a:r>
+          </a:p>
+          <a:p>
+            <a:r>
+              <a:rPr lang="en-US" dirty="0"/>
+              <a:t>What would you conclude about </a:t>
+            </a:r>
+            <a:r>
+              <a:rPr lang="en-US" b="1" dirty="0"/>
+              <a:t>technical differences </a:t>
+            </a:r>
+            <a:r>
+              <a:rPr lang="en-US" dirty="0"/>
+              <a:t>between these two plates? </a:t>
             </a:r>
           </a:p>
         </p:txBody>
@@ -12952,7 +12985,7 @@
           <a:p>
             <a:r>
               <a:rPr lang="en-US" dirty="0"/>
-              <a:t>Running same samples on two plates: </a:t>
+              <a:t>Running same samples on two plates </a:t>
             </a:r>
           </a:p>
         </p:txBody>
@@ -12971,7 +13004,7 @@
         </p:nvSpPr>
         <p:spPr>
           <a:xfrm>
-            <a:off x="1984094" y="5941607"/>
+            <a:off x="1765621" y="5585347"/>
             <a:ext cx="8965557" cy="646331"/>
           </a:xfrm>
           <a:prstGeom prst="rect">
@@ -12987,7 +13020,21 @@
           <a:p>
             <a:r>
               <a:rPr lang="en-US" dirty="0"/>
-              <a:t>Now, what happens if we measure correlation specifically around the line y=x. What might we conclude about these two plates? </a:t>
+              <a:t>Now, what happens if we measure </a:t>
+            </a:r>
+            <a:r>
+              <a:rPr lang="en-US" b="1" dirty="0"/>
+              <a:t>correlation specifically around the line y=x</a:t>
+            </a:r>
+            <a:r>
+              <a:rPr lang="en-US" dirty="0"/>
+              <a:t>?</a:t>
+            </a:r>
+          </a:p>
+          <a:p>
+            <a:r>
+              <a:rPr lang="en-US" dirty="0"/>
+              <a:t>What might we conclude about these two plates? </a:t>
             </a:r>
           </a:p>
         </p:txBody>
@@ -13045,7 +13092,7 @@
           <a:p>
             <a:r>
               <a:rPr lang="en-US" dirty="0"/>
-              <a:t>Evaluating whether pre-processing was effective: </a:t>
+              <a:t>Evaluating whether pre-processing was effective</a:t>
             </a:r>
           </a:p>
         </p:txBody>
@@ -13258,7 +13305,7 @@
             </a:r>
             <a:r>
               <a:rPr lang="en-US" dirty="0"/>
-              <a:t>throughout an assay (e.g., between plates, batches, or other assay units) we can assess the level of </a:t>
+              <a:t>throughout an assay (e.g., between plates, batches, or other assay units), we can assess the level of </a:t>
             </a:r>
             <a:r>
               <a:rPr lang="en-US" b="1" dirty="0"/>
@@ -13288,7 +13335,7 @@
             </a:r>
             <a:r>
               <a:rPr lang="en-US" dirty="0"/>
-              <a:t>or step, </a:t>
+              <a:t>or step; </a:t>
             </a:r>
             <a:r>
               <a:rPr lang="en-US" b="1" dirty="0"/>

--- a/Part 3/Lecture 3.pptx
+++ b/Part 3/Lecture 3.pptx
@@ -530,7 +530,7 @@
           <a:p>
             <a:fld id="{2E2C281D-2BC5-744A-B907-5860DFA7E8B3}" type="datetimeFigureOut">
               <a:rPr lang="en-US" smtClean="0"/>
-              <a:t>7/30/25</a:t>
+              <a:t>7/31/25</a:t>
             </a:fld>
             <a:endParaRPr lang="en-US"/>
           </a:p>
@@ -8123,7 +8123,15 @@
             </a:r>
             <a:r>
               <a:rPr lang="en-US" dirty="0"/>
-              <a:t> can correspond to WHO guidelines for protective immunity</a:t>
+              <a:t> can correspond to WHO guidelines for protective immunity </a:t>
+            </a:r>
+            <a:r>
+              <a:rPr lang="en-US" b="1" dirty="0">
+                <a:solidFill>
+                  <a:srgbClr val="C00000"/>
+                </a:solidFill>
+              </a:rPr>
+              <a:t>(see Part 4 for VPD example)</a:t>
             </a:r>
           </a:p>
           <a:p>
@@ -8409,7 +8417,7 @@
         <p:spPr>
           <a:xfrm>
             <a:off x="8766858" y="1325563"/>
-            <a:ext cx="3425142" cy="3970318"/>
+            <a:ext cx="3425142" cy="4247317"/>
           </a:xfrm>
           <a:prstGeom prst="rect">
             <a:avLst/>
@@ -8466,7 +8474,7 @@
             </a:r>
             <a:r>
               <a:rPr lang="en-US" b="1" dirty="0"/>
-              <a:t>concentration</a:t>
+              <a:t>concentration (e.g., RAU or IU)</a:t>
             </a:r>
             <a:r>
               <a:rPr lang="en-US" dirty="0"/>
